--- a/powerpoint/Session2.pptx
+++ b/powerpoint/Session2.pptx
@@ -224,7 +224,7 @@
           <a:p>
             <a:fld id="{76288271-110E-284E-BDF5-E46245F1FF69}" type="datetimeFigureOut">
               <a:rPr lang="en-US" smtClean="0"/>
-              <a:t>2/10/25</a:t>
+              <a:t>3/24/25</a:t>
             </a:fld>
             <a:endParaRPr lang="en-US"/>
           </a:p>
@@ -4565,7 +4565,7 @@
           <a:p>
             <a:fld id="{AF87509E-A8CC-7D4A-9558-F93678A4FBA3}" type="datetimeFigureOut">
               <a:rPr lang="en-US" smtClean="0"/>
-              <a:t>2/10/25</a:t>
+              <a:t>3/24/25</a:t>
             </a:fld>
             <a:endParaRPr lang="en-US"/>
           </a:p>
@@ -12872,14 +12872,24 @@
               </a:tabLst>
             </a:pPr>
             <a:r>
-              <a:rPr lang="es-ES" sz="3200" b="0" strike="noStrike" spc="-1" dirty="0">
+              <a:rPr lang="en-US" sz="3200" spc="-1" dirty="0">
                 <a:solidFill>
                   <a:srgbClr val="8B8B8B"/>
                 </a:solidFill>
                 <a:latin typeface="Calibri"/>
                 <a:ea typeface="DejaVu Sans"/>
               </a:rPr>
-              <a:t>Irina &amp; Bea</a:t>
+              <a:t>Bea</a:t>
+            </a:r>
+            <a:r>
+              <a:rPr lang="en-US" sz="3200" b="0" strike="noStrike" spc="-1" dirty="0">
+                <a:solidFill>
+                  <a:srgbClr val="8B8B8B"/>
+                </a:solidFill>
+                <a:latin typeface="Calibri"/>
+                <a:ea typeface="DejaVu Sans"/>
+              </a:rPr>
+              <a:t> &amp; Cristian</a:t>
             </a:r>
             <a:endParaRPr lang="en-GB" sz="3200" b="0" strike="noStrike" spc="-1" dirty="0">
               <a:latin typeface="Arial"/>
@@ -18871,14 +18881,24 @@
               </a:tabLst>
             </a:pPr>
             <a:r>
-              <a:rPr lang="es-ES" sz="3200" b="0" strike="noStrike" spc="-1" dirty="0">
+              <a:rPr lang="en-US" sz="3200" spc="-1" dirty="0">
                 <a:solidFill>
                   <a:srgbClr val="8B8B8B"/>
                 </a:solidFill>
                 <a:latin typeface="Calibri"/>
                 <a:ea typeface="DejaVu Sans"/>
               </a:rPr>
-              <a:t>Irina &amp; Bea</a:t>
+              <a:t>Bea</a:t>
+            </a:r>
+            <a:r>
+              <a:rPr lang="en-US" sz="3200" b="0" strike="noStrike" spc="-1" dirty="0">
+                <a:solidFill>
+                  <a:srgbClr val="8B8B8B"/>
+                </a:solidFill>
+                <a:latin typeface="Calibri"/>
+                <a:ea typeface="DejaVu Sans"/>
+              </a:rPr>
+              <a:t> &amp; Cristian</a:t>
             </a:r>
             <a:endParaRPr lang="en-GB" sz="3200" b="0" strike="noStrike" spc="-1" dirty="0">
               <a:latin typeface="Arial"/>

--- a/powerpoint/Session2.pptx
+++ b/powerpoint/Session2.pptx
@@ -224,7 +224,7 @@
           <a:p>
             <a:fld id="{76288271-110E-284E-BDF5-E46245F1FF69}" type="datetimeFigureOut">
               <a:rPr lang="en-US" smtClean="0"/>
-              <a:t>3/24/25</a:t>
+              <a:t>5/14/25</a:t>
             </a:fld>
             <a:endParaRPr lang="en-US"/>
           </a:p>
@@ -4565,7 +4565,7 @@
           <a:p>
             <a:fld id="{AF87509E-A8CC-7D4A-9558-F93678A4FBA3}" type="datetimeFigureOut">
               <a:rPr lang="en-US" smtClean="0"/>
-              <a:t>3/24/25</a:t>
+              <a:t>5/14/25</a:t>
             </a:fld>
             <a:endParaRPr lang="en-US"/>
           </a:p>
@@ -12915,7 +12915,7 @@
                 <a:latin typeface="Calibri"/>
                 <a:ea typeface="DejaVu Sans"/>
               </a:rPr>
-              <a:t>Hilary 2025</a:t>
+              <a:t>Trinity 2025</a:t>
             </a:r>
             <a:endParaRPr lang="en-GB" sz="3200" b="0" strike="noStrike" spc="-1" dirty="0">
               <a:latin typeface="Arial"/>
@@ -18924,7 +18924,7 @@
                 <a:latin typeface="Calibri"/>
                 <a:ea typeface="DejaVu Sans"/>
               </a:rPr>
-              <a:t>Hilary 2025</a:t>
+              <a:t>Trinity 2025</a:t>
             </a:r>
             <a:endParaRPr lang="en-GB" sz="3200" b="0" strike="noStrike" spc="-1" dirty="0">
               <a:latin typeface="Arial"/>
